--- a/Resources/Images/久留米市美術館/cps.pptx
+++ b/Resources/Images/久留米市美術館/cps.pptx
@@ -104,6 +104,11 @@
       </a:defRPr>
     </a:lvl9pPr>
   </p:defaultTextStyle>
+  <p:extLst>
+    <p:ext uri="{EFAFB233-063F-42B5-8137-9DF3F51BA10A}">
+      <p15:sldGuideLst xmlns:p15="http://schemas.microsoft.com/office/powerpoint/2012/main"/>
+    </p:ext>
+  </p:extLst>
 </p:presentation>
 </file>
 
@@ -3611,65 +3616,6 @@
       </p:grpSpPr>
       <p:sp>
         <p:nvSpPr>
-          <p:cNvPr id="6" name="テキスト ボックス 5">
-            <a:extLst>
-              <a:ext uri="{FF2B5EF4-FFF2-40B4-BE49-F238E27FC236}">
-                <a16:creationId xmlns:a16="http://schemas.microsoft.com/office/drawing/2014/main" id="{AC150640-32CE-84B5-A68F-B5FDC3506D3E}"/>
-              </a:ext>
-            </a:extLst>
-          </p:cNvPr>
-          <p:cNvSpPr txBox="1"/>
-          <p:nvPr/>
-        </p:nvSpPr>
-        <p:spPr>
-          <a:xfrm>
-            <a:off x="1189206" y="1050986"/>
-            <a:ext cx="2633764" cy="1138773"/>
-          </a:xfrm>
-          <a:prstGeom prst="rect">
-            <a:avLst/>
-          </a:prstGeom>
-          <a:noFill/>
-        </p:spPr>
-        <p:txBody>
-          <a:bodyPr wrap="square">
-            <a:spAutoFit/>
-          </a:bodyPr>
-          <a:lstStyle/>
-          <a:p>
-            <a:r>
-              <a:rPr lang="ja-JP" altLang="en-US" sz="3200" b="1" dirty="0">
-                <a:solidFill>
-                  <a:schemeClr val="bg2"/>
-                </a:solidFill>
-              </a:rPr>
-              <a:t>読書</a:t>
-            </a:r>
-          </a:p>
-          <a:p>
-            <a:r>
-              <a:rPr lang="ja-JP" altLang="en-US" b="1" dirty="0">
-                <a:solidFill>
-                  <a:schemeClr val="bg2"/>
-                </a:solidFill>
-              </a:rPr>
-              <a:t>和田英作</a:t>
-            </a:r>
-          </a:p>
-          <a:p>
-            <a:r>
-              <a:rPr lang="ja-JP" altLang="en-US" b="1" dirty="0">
-                <a:solidFill>
-                  <a:schemeClr val="bg2"/>
-                </a:solidFill>
-              </a:rPr>
-              <a:t>1902</a:t>
-            </a:r>
-          </a:p>
-        </p:txBody>
-      </p:sp>
-      <p:sp>
-        <p:nvSpPr>
           <p:cNvPr id="7" name="テキスト ボックス 6">
             <a:extLst>
               <a:ext uri="{FF2B5EF4-FFF2-40B4-BE49-F238E27FC236}">
@@ -3857,6 +3803,247 @@
                 <a:schemeClr val="bg2"/>
               </a:solidFill>
             </a:endParaRPr>
+          </a:p>
+        </p:txBody>
+      </p:sp>
+      <p:sp>
+        <p:nvSpPr>
+          <p:cNvPr id="3" name="テキスト ボックス 2">
+            <a:extLst>
+              <a:ext uri="{FF2B5EF4-FFF2-40B4-BE49-F238E27FC236}">
+                <a16:creationId xmlns:a16="http://schemas.microsoft.com/office/drawing/2014/main" id="{348BDC9F-D666-0872-7498-6BD78C4F1852}"/>
+              </a:ext>
+            </a:extLst>
+          </p:cNvPr>
+          <p:cNvSpPr txBox="1"/>
+          <p:nvPr/>
+        </p:nvSpPr>
+        <p:spPr>
+          <a:xfrm>
+            <a:off x="726737" y="1020206"/>
+            <a:ext cx="1795563" cy="1138773"/>
+          </a:xfrm>
+          <a:prstGeom prst="rect">
+            <a:avLst/>
+          </a:prstGeom>
+          <a:noFill/>
+        </p:spPr>
+        <p:txBody>
+          <a:bodyPr wrap="square">
+            <a:spAutoFit/>
+          </a:bodyPr>
+          <a:lstStyle/>
+          <a:p>
+            <a:r>
+              <a:rPr lang="ja-JP" altLang="en-US" sz="2800" b="1" dirty="0">
+                <a:solidFill>
+                  <a:schemeClr val="bg2"/>
+                </a:solidFill>
+              </a:rPr>
+              <a:t>北島浅一</a:t>
+            </a:r>
+          </a:p>
+          <a:p>
+            <a:r>
+              <a:rPr lang="ja-JP" altLang="en-US" sz="2000" b="1" dirty="0">
+                <a:solidFill>
+                  <a:schemeClr val="bg2"/>
+                </a:solidFill>
+              </a:rPr>
+              <a:t>《鳩》</a:t>
+            </a:r>
+          </a:p>
+          <a:p>
+            <a:r>
+              <a:rPr lang="ja-JP" altLang="en-US" sz="2000" b="1" dirty="0">
+                <a:solidFill>
+                  <a:schemeClr val="bg2"/>
+                </a:solidFill>
+              </a:rPr>
+              <a:t>1928年</a:t>
+            </a:r>
+          </a:p>
+        </p:txBody>
+      </p:sp>
+      <p:sp>
+        <p:nvSpPr>
+          <p:cNvPr id="5" name="テキスト ボックス 4">
+            <a:extLst>
+              <a:ext uri="{FF2B5EF4-FFF2-40B4-BE49-F238E27FC236}">
+                <a16:creationId xmlns:a16="http://schemas.microsoft.com/office/drawing/2014/main" id="{44EB9A75-2D5D-A2ED-725C-BE746490A8F7}"/>
+              </a:ext>
+            </a:extLst>
+          </p:cNvPr>
+          <p:cNvSpPr txBox="1"/>
+          <p:nvPr/>
+        </p:nvSpPr>
+        <p:spPr>
+          <a:xfrm>
+            <a:off x="2755359" y="1020205"/>
+            <a:ext cx="3048811" cy="1138773"/>
+          </a:xfrm>
+          <a:prstGeom prst="rect">
+            <a:avLst/>
+          </a:prstGeom>
+          <a:noFill/>
+        </p:spPr>
+        <p:txBody>
+          <a:bodyPr wrap="square">
+            <a:spAutoFit/>
+          </a:bodyPr>
+          <a:lstStyle/>
+          <a:p>
+            <a:r>
+              <a:rPr lang="ja-JP" altLang="en-US" sz="2800" b="1" dirty="0">
+                <a:solidFill>
+                  <a:schemeClr val="bg2"/>
+                </a:solidFill>
+              </a:rPr>
+              <a:t>髙島野十郎</a:t>
+            </a:r>
+            <a:endParaRPr lang="ja-JP" altLang="en-US" sz="2000" b="1" dirty="0">
+              <a:solidFill>
+                <a:schemeClr val="bg2"/>
+              </a:solidFill>
+            </a:endParaRPr>
+          </a:p>
+          <a:p>
+            <a:r>
+              <a:rPr lang="ja-JP" altLang="en-US" sz="2000" b="1" dirty="0">
+                <a:solidFill>
+                  <a:schemeClr val="bg2"/>
+                </a:solidFill>
+              </a:rPr>
+              <a:t>《ぶどうとりんご》</a:t>
+            </a:r>
+          </a:p>
+          <a:p>
+            <a:r>
+              <a:rPr lang="ja-JP" altLang="en-US" sz="2000" b="1" dirty="0">
+                <a:solidFill>
+                  <a:schemeClr val="bg2"/>
+                </a:solidFill>
+              </a:rPr>
+              <a:t>1954年</a:t>
+            </a:r>
+          </a:p>
+        </p:txBody>
+      </p:sp>
+      <p:sp>
+        <p:nvSpPr>
+          <p:cNvPr id="11" name="テキスト ボックス 10">
+            <a:extLst>
+              <a:ext uri="{FF2B5EF4-FFF2-40B4-BE49-F238E27FC236}">
+                <a16:creationId xmlns:a16="http://schemas.microsoft.com/office/drawing/2014/main" id="{48E2B27D-FEBE-6E19-6DCB-03750935776A}"/>
+              </a:ext>
+            </a:extLst>
+          </p:cNvPr>
+          <p:cNvSpPr txBox="1"/>
+          <p:nvPr/>
+        </p:nvSpPr>
+        <p:spPr>
+          <a:xfrm>
+            <a:off x="4827351" y="2652806"/>
+            <a:ext cx="2915866" cy="1138773"/>
+          </a:xfrm>
+          <a:prstGeom prst="rect">
+            <a:avLst/>
+          </a:prstGeom>
+          <a:noFill/>
+        </p:spPr>
+        <p:txBody>
+          <a:bodyPr wrap="square">
+            <a:spAutoFit/>
+          </a:bodyPr>
+          <a:lstStyle/>
+          <a:p>
+            <a:r>
+              <a:rPr lang="ja-JP" altLang="en-US" sz="2800" b="1" dirty="0">
+                <a:solidFill>
+                  <a:schemeClr val="bg2"/>
+                </a:solidFill>
+              </a:rPr>
+              <a:t>坂本繁二郎</a:t>
+            </a:r>
+          </a:p>
+          <a:p>
+            <a:r>
+              <a:rPr lang="ja-JP" altLang="en-US" sz="2000" b="1" dirty="0">
+                <a:solidFill>
+                  <a:schemeClr val="bg2"/>
+                </a:solidFill>
+              </a:rPr>
+              <a:t>《達磨》</a:t>
+            </a:r>
+          </a:p>
+          <a:p>
+            <a:r>
+              <a:rPr lang="ja-JP" altLang="en-US" sz="2000" b="1" dirty="0">
+                <a:solidFill>
+                  <a:schemeClr val="bg2"/>
+                </a:solidFill>
+              </a:rPr>
+              <a:t>1964年</a:t>
+            </a:r>
+          </a:p>
+        </p:txBody>
+      </p:sp>
+      <p:sp>
+        <p:nvSpPr>
+          <p:cNvPr id="13" name="テキスト ボックス 12">
+            <a:extLst>
+              <a:ext uri="{FF2B5EF4-FFF2-40B4-BE49-F238E27FC236}">
+                <a16:creationId xmlns:a16="http://schemas.microsoft.com/office/drawing/2014/main" id="{56A55B1C-9D37-81E0-DE7B-1D5C9C739B40}"/>
+              </a:ext>
+            </a:extLst>
+          </p:cNvPr>
+          <p:cNvSpPr txBox="1"/>
+          <p:nvPr/>
+        </p:nvSpPr>
+        <p:spPr>
+          <a:xfrm>
+            <a:off x="7006347" y="2652806"/>
+            <a:ext cx="2380845" cy="1138773"/>
+          </a:xfrm>
+          <a:prstGeom prst="rect">
+            <a:avLst/>
+          </a:prstGeom>
+          <a:noFill/>
+        </p:spPr>
+        <p:txBody>
+          <a:bodyPr wrap="square">
+            <a:spAutoFit/>
+          </a:bodyPr>
+          <a:lstStyle/>
+          <a:p>
+            <a:r>
+              <a:rPr lang="ja-JP" altLang="en-US" sz="2800" b="1" dirty="0">
+                <a:solidFill>
+                  <a:schemeClr val="bg2"/>
+                </a:solidFill>
+              </a:rPr>
+              <a:t>海老原喜之助</a:t>
+            </a:r>
+          </a:p>
+          <a:p>
+            <a:r>
+              <a:rPr lang="ja-JP" altLang="en-US" sz="2000" b="1" dirty="0">
+                <a:solidFill>
+                  <a:schemeClr val="bg2"/>
+                </a:solidFill>
+              </a:rPr>
+              <a:t>《雪中猪》</a:t>
+            </a:r>
+          </a:p>
+          <a:p>
+            <a:r>
+              <a:rPr lang="ja-JP" altLang="en-US" sz="2000" b="1" dirty="0">
+                <a:solidFill>
+                  <a:schemeClr val="bg2"/>
+                </a:solidFill>
+              </a:rPr>
+              <a:t>1931年頃</a:t>
+            </a:r>
           </a:p>
         </p:txBody>
       </p:sp>

--- a/Resources/Images/久留米市美術館/cps.pptx
+++ b/Resources/Images/久留米市美術館/cps.pptx
@@ -3944,7 +3944,7 @@
         <p:spPr>
           <a:xfrm>
             <a:off x="4827351" y="2652806"/>
-            <a:ext cx="2915866" cy="1138773"/>
+            <a:ext cx="2915866" cy="1446550"/>
           </a:xfrm>
           <a:prstGeom prst="rect">
             <a:avLst/>
@@ -3984,6 +3984,21 @@
                 </a:solidFill>
               </a:rPr>
               <a:t>1964年</a:t>
+            </a:r>
+            <a:endParaRPr lang="en-US" altLang="ja-JP" sz="2000" b="1" dirty="0">
+              <a:solidFill>
+                <a:schemeClr val="bg2"/>
+              </a:solidFill>
+            </a:endParaRPr>
+          </a:p>
+          <a:p>
+            <a:r>
+              <a:rPr lang="ja-JP" altLang="en-US" sz="2000" b="1" dirty="0">
+                <a:solidFill>
+                  <a:schemeClr val="bg2"/>
+                </a:solidFill>
+              </a:rPr>
+              <a:t>＊寄託作品</a:t>
             </a:r>
           </a:p>
         </p:txBody>
